--- a/Entity Framework Extra Mile/NebraskaCode1/EF Extra Mile.pptx
+++ b/Entity Framework Extra Mile/NebraskaCode1/EF Extra Mile.pptx
@@ -282,7 +282,7 @@
           <a:p>
             <a:fld id="{856365B8-A905-4126-A305-28D558C34FD5}" type="datetimeFigureOut">
               <a:rPr lang="en-US" smtClean="0"/>
-              <a:t>3/5/2015</a:t>
+              <a:t>3/21/2015</a:t>
             </a:fld>
             <a:endParaRPr lang="en-US"/>
           </a:p>
@@ -452,7 +452,7 @@
           <a:p>
             <a:fld id="{856365B8-A905-4126-A305-28D558C34FD5}" type="datetimeFigureOut">
               <a:rPr lang="en-US" smtClean="0"/>
-              <a:t>3/5/2015</a:t>
+              <a:t>3/21/2015</a:t>
             </a:fld>
             <a:endParaRPr lang="en-US"/>
           </a:p>
@@ -632,7 +632,7 @@
           <a:p>
             <a:fld id="{856365B8-A905-4126-A305-28D558C34FD5}" type="datetimeFigureOut">
               <a:rPr lang="en-US" smtClean="0"/>
-              <a:t>3/5/2015</a:t>
+              <a:t>3/21/2015</a:t>
             </a:fld>
             <a:endParaRPr lang="en-US"/>
           </a:p>
@@ -802,7 +802,7 @@
           <a:p>
             <a:fld id="{856365B8-A905-4126-A305-28D558C34FD5}" type="datetimeFigureOut">
               <a:rPr lang="en-US" smtClean="0"/>
-              <a:t>3/5/2015</a:t>
+              <a:t>3/21/2015</a:t>
             </a:fld>
             <a:endParaRPr lang="en-US"/>
           </a:p>
@@ -1048,7 +1048,7 @@
           <a:p>
             <a:fld id="{856365B8-A905-4126-A305-28D558C34FD5}" type="datetimeFigureOut">
               <a:rPr lang="en-US" smtClean="0"/>
-              <a:t>3/5/2015</a:t>
+              <a:t>3/21/2015</a:t>
             </a:fld>
             <a:endParaRPr lang="en-US"/>
           </a:p>
@@ -1280,7 +1280,7 @@
           <a:p>
             <a:fld id="{856365B8-A905-4126-A305-28D558C34FD5}" type="datetimeFigureOut">
               <a:rPr lang="en-US" smtClean="0"/>
-              <a:t>3/5/2015</a:t>
+              <a:t>3/21/2015</a:t>
             </a:fld>
             <a:endParaRPr lang="en-US"/>
           </a:p>
@@ -1647,7 +1647,7 @@
           <a:p>
             <a:fld id="{856365B8-A905-4126-A305-28D558C34FD5}" type="datetimeFigureOut">
               <a:rPr lang="en-US" smtClean="0"/>
-              <a:t>3/5/2015</a:t>
+              <a:t>3/21/2015</a:t>
             </a:fld>
             <a:endParaRPr lang="en-US"/>
           </a:p>
@@ -1765,7 +1765,7 @@
           <a:p>
             <a:fld id="{856365B8-A905-4126-A305-28D558C34FD5}" type="datetimeFigureOut">
               <a:rPr lang="en-US" smtClean="0"/>
-              <a:t>3/5/2015</a:t>
+              <a:t>3/21/2015</a:t>
             </a:fld>
             <a:endParaRPr lang="en-US"/>
           </a:p>
@@ -1860,7 +1860,7 @@
           <a:p>
             <a:fld id="{856365B8-A905-4126-A305-28D558C34FD5}" type="datetimeFigureOut">
               <a:rPr lang="en-US" smtClean="0"/>
-              <a:t>3/5/2015</a:t>
+              <a:t>3/21/2015</a:t>
             </a:fld>
             <a:endParaRPr lang="en-US"/>
           </a:p>
@@ -2137,7 +2137,7 @@
           <a:p>
             <a:fld id="{856365B8-A905-4126-A305-28D558C34FD5}" type="datetimeFigureOut">
               <a:rPr lang="en-US" smtClean="0"/>
-              <a:t>3/5/2015</a:t>
+              <a:t>3/21/2015</a:t>
             </a:fld>
             <a:endParaRPr lang="en-US"/>
           </a:p>
@@ -2394,7 +2394,7 @@
           <a:p>
             <a:fld id="{856365B8-A905-4126-A305-28D558C34FD5}" type="datetimeFigureOut">
               <a:rPr lang="en-US" smtClean="0"/>
-              <a:t>3/5/2015</a:t>
+              <a:t>3/21/2015</a:t>
             </a:fld>
             <a:endParaRPr lang="en-US"/>
           </a:p>
@@ -2607,7 +2607,7 @@
           <a:p>
             <a:fld id="{856365B8-A905-4126-A305-28D558C34FD5}" type="datetimeFigureOut">
               <a:rPr lang="en-US" smtClean="0"/>
-              <a:t>3/5/2015</a:t>
+              <a:t>3/21/2015</a:t>
             </a:fld>
             <a:endParaRPr lang="en-US"/>
           </a:p>
@@ -6405,7 +6405,6 @@
               <a:rPr lang="en-US" dirty="0" smtClean="0"/>
               <a:t>???</a:t>
             </a:r>
-            <a:endParaRPr lang="en-US" dirty="0" smtClean="0"/>
           </a:p>
         </p:txBody>
       </p:sp>
@@ -6912,6 +6911,74 @@
           </a:p>
         </p:txBody>
       </p:sp>
+      <p:sp>
+        <p:nvSpPr>
+          <p:cNvPr id="4" name="TextBox 3"/>
+          <p:cNvSpPr txBox="1"/>
+          <p:nvPr/>
+        </p:nvSpPr>
+        <p:spPr>
+          <a:xfrm>
+            <a:off x="627017" y="4937759"/>
+            <a:ext cx="10446706" cy="646331"/>
+          </a:xfrm>
+          <a:prstGeom prst="rect">
+            <a:avLst/>
+          </a:prstGeom>
+          <a:noFill/>
+        </p:spPr>
+        <p:txBody>
+          <a:bodyPr wrap="none" rtlCol="0">
+            <a:spAutoFit/>
+          </a:bodyPr>
+          <a:lstStyle/>
+          <a:p>
+            <a:r>
+              <a:rPr lang="en-US" dirty="0" smtClean="0"/>
+              <a:t>Hibernating Rhinos was generous enough to grant me a license for </a:t>
+            </a:r>
+            <a:r>
+              <a:rPr lang="en-US" dirty="0" err="1" smtClean="0"/>
+              <a:t>Nebraska.Code</a:t>
+            </a:r>
+            <a:r>
+              <a:rPr lang="en-US" dirty="0" smtClean="0"/>
+              <a:t>(). PLEASE somebody take a</a:t>
+            </a:r>
+          </a:p>
+          <a:p>
+            <a:r>
+              <a:rPr lang="en-US" dirty="0"/>
+              <a:t>p</a:t>
+            </a:r>
+            <a:r>
+              <a:rPr lang="en-US" dirty="0" smtClean="0"/>
+              <a:t>ic of the presentation while I am showing </a:t>
+            </a:r>
+            <a:r>
+              <a:rPr lang="en-US" dirty="0" err="1" smtClean="0"/>
+              <a:t>EFProf</a:t>
+            </a:r>
+            <a:r>
+              <a:rPr lang="en-US" dirty="0"/>
+              <a:t> </a:t>
+            </a:r>
+            <a:r>
+              <a:rPr lang="en-US" dirty="0" smtClean="0"/>
+              <a:t>and tweet it to me (@</a:t>
+            </a:r>
+            <a:r>
+              <a:rPr lang="en-US" dirty="0" err="1" smtClean="0"/>
+              <a:t>colemike</a:t>
+            </a:r>
+            <a:r>
+              <a:rPr lang="en-US" dirty="0" smtClean="0"/>
+              <a:t>) so I can say THANK YOU!</a:t>
+            </a:r>
+            <a:endParaRPr lang="en-US" dirty="0"/>
+          </a:p>
+        </p:txBody>
+      </p:sp>
     </p:spTree>
     <p:extLst>
       <p:ext uri="{BB962C8B-B14F-4D97-AF65-F5344CB8AC3E}">
